--- a/User Feedbacks in Backlog.pptx
+++ b/User Feedbacks in Backlog.pptx
@@ -11,7 +11,8 @@
     <p:sldId id="261" r:id="rId8"/>
     <p:sldId id="262" r:id="rId9"/>
     <p:sldId id="263" r:id="rId10"/>
-    <p:sldId id="258" r:id="rId11"/>
+    <p:sldId id="264" r:id="rId11"/>
+    <p:sldId id="258" r:id="rId12"/>
   </p:sldIdLst>
   <p:sldSz cx="9144000" cy="6858000" type="screen4x3"/>
   <p:notesSz cx="6858000" cy="9144000"/>
@@ -6614,6 +6615,149 @@
             <a:spLocks noGrp="1"/>
           </p:cNvSpPr>
           <p:nvPr>
+            <p:ph type="title"/>
+          </p:nvPr>
+        </p:nvSpPr>
+        <p:spPr/>
+        <p:txBody>
+          <a:bodyPr/>
+          <a:lstStyle/>
+          <a:p>
+            <a:r>
+              <a:rPr lang="en-US" dirty="0" smtClean="0"/>
+              <a:t>Takeaways</a:t>
+            </a:r>
+            <a:endParaRPr lang="en-US" dirty="0"/>
+          </a:p>
+        </p:txBody>
+      </p:sp>
+      <p:sp>
+        <p:nvSpPr>
+          <p:cNvPr id="3" name="Content Placeholder 2"/>
+          <p:cNvSpPr>
+            <a:spLocks noGrp="1"/>
+          </p:cNvSpPr>
+          <p:nvPr>
+            <p:ph idx="1"/>
+          </p:nvPr>
+        </p:nvSpPr>
+        <p:spPr/>
+        <p:txBody>
+          <a:bodyPr/>
+          <a:lstStyle/>
+          <a:p>
+            <a:r>
+              <a:rPr lang="en-US" dirty="0" smtClean="0"/>
+              <a:t>Backlog prioritization</a:t>
+            </a:r>
+          </a:p>
+          <a:p>
+            <a:pPr lvl="1"/>
+            <a:r>
+              <a:rPr lang="en-US" dirty="0" smtClean="0"/>
+              <a:t>User feedback =&gt; prioritization impact</a:t>
+            </a:r>
+          </a:p>
+          <a:p>
+            <a:pPr lvl="1"/>
+            <a:endParaRPr lang="en-US" dirty="0"/>
+          </a:p>
+          <a:p>
+            <a:r>
+              <a:rPr lang="en-US" dirty="0" smtClean="0"/>
+              <a:t>All-in-one or custom tool</a:t>
+            </a:r>
+          </a:p>
+          <a:p>
+            <a:endParaRPr lang="en-US" dirty="0"/>
+          </a:p>
+          <a:p>
+            <a:r>
+              <a:rPr lang="en-US" dirty="0"/>
+              <a:t>“Thank you, I’ve added it to backlog”</a:t>
+            </a:r>
+          </a:p>
+          <a:p>
+            <a:pPr lvl="1"/>
+            <a:r>
+              <a:rPr lang="en-US" dirty="0"/>
+              <a:t>Well actually, the user has added it to backlog themselves </a:t>
+            </a:r>
+            <a:r>
+              <a:rPr lang="en-US" dirty="0" smtClean="0">
+                <a:sym typeface="Wingdings" panose="05000000000000000000" pitchFamily="2" charset="2"/>
+              </a:rPr>
+              <a:t></a:t>
+            </a:r>
+          </a:p>
+          <a:p>
+            <a:pPr marL="457200" lvl="1" indent="0">
+              <a:buNone/>
+            </a:pPr>
+            <a:endParaRPr lang="en-US" smtClean="0">
+              <a:sym typeface="Wingdings" panose="05000000000000000000" pitchFamily="2" charset="2"/>
+            </a:endParaRPr>
+          </a:p>
+          <a:p>
+            <a:pPr marL="57150" indent="0">
+              <a:buNone/>
+            </a:pPr>
+            <a:endParaRPr lang="en-US" dirty="0"/>
+          </a:p>
+          <a:p>
+            <a:endParaRPr lang="en-US" dirty="0" smtClean="0"/>
+          </a:p>
+        </p:txBody>
+      </p:sp>
+    </p:spTree>
+    <p:extLst>
+      <p:ext uri="{BB962C8B-B14F-4D97-AF65-F5344CB8AC3E}">
+        <p14:creationId xmlns:p14="http://schemas.microsoft.com/office/powerpoint/2010/main" val="439108874"/>
+      </p:ext>
+    </p:extLst>
+  </p:cSld>
+  <p:clrMapOvr>
+    <a:masterClrMapping/>
+  </p:clrMapOvr>
+  <mc:AlternateContent xmlns:mc="http://schemas.openxmlformats.org/markup-compatibility/2006" xmlns:p14="http://schemas.microsoft.com/office/powerpoint/2010/main">
+    <mc:Choice Requires="p14">
+      <p:transition spd="med" p14:dur="700">
+        <p:fade/>
+      </p:transition>
+    </mc:Choice>
+    <mc:Fallback xmlns="">
+      <p:transition spd="med">
+        <p:fade/>
+      </p:transition>
+    </mc:Fallback>
+  </mc:AlternateContent>
+</p:sld>
+</file>
+
+<file path=ppt/slides/slide8.xml><?xml version="1.0" encoding="utf-8"?>
+<p:sld xmlns:a="http://schemas.openxmlformats.org/drawingml/2006/main" xmlns:r="http://schemas.openxmlformats.org/officeDocument/2006/relationships" xmlns:p="http://schemas.openxmlformats.org/presentationml/2006/main">
+  <p:cSld>
+    <p:spTree>
+      <p:nvGrpSpPr>
+        <p:cNvPr id="1" name=""/>
+        <p:cNvGrpSpPr/>
+        <p:nvPr/>
+      </p:nvGrpSpPr>
+      <p:grpSpPr>
+        <a:xfrm>
+          <a:off x="0" y="0"/>
+          <a:ext cx="0" cy="0"/>
+          <a:chOff x="0" y="0"/>
+          <a:chExt cx="0" cy="0"/>
+        </a:xfrm>
+      </p:grpSpPr>
+      <p:sp>
+        <p:nvSpPr>
+          <p:cNvPr id="2" name="Title 1"/>
+          <p:cNvSpPr>
+            <a:spLocks noGrp="1"/>
+          </p:cNvSpPr>
+          <p:nvPr>
             <p:ph type="ctrTitle"/>
           </p:nvPr>
         </p:nvSpPr>
@@ -6993,13 +7137,13 @@
 <file path=customXml/itemProps3.xml><?xml version="1.0" encoding="utf-8"?>
 <ds:datastoreItem xmlns:ds="http://schemas.openxmlformats.org/officeDocument/2006/customXml" ds:itemID="{B7DD777B-613B-4F1A-9898-E217B41086A0}">
   <ds:schemaRefs>
-    <ds:schemaRef ds:uri="http://www.w3.org/XML/1998/namespace"/>
+    <ds:schemaRef ds:uri="http://purl.org/dc/elements/1.1/"/>
+    <ds:schemaRef ds:uri="http://purl.org/dc/dcmitype/"/>
+    <ds:schemaRef ds:uri="http://purl.org/dc/terms/"/>
     <ds:schemaRef ds:uri="http://schemas.microsoft.com/office/2006/documentManagement/types"/>
     <ds:schemaRef ds:uri="http://schemas.openxmlformats.org/package/2006/metadata/core-properties"/>
-    <ds:schemaRef ds:uri="http://purl.org/dc/terms/"/>
-    <ds:schemaRef ds:uri="http://purl.org/dc/dcmitype/"/>
+    <ds:schemaRef ds:uri="http://www.w3.org/XML/1998/namespace"/>
     <ds:schemaRef ds:uri="http://schemas.microsoft.com/office/2006/metadata/properties"/>
-    <ds:schemaRef ds:uri="http://purl.org/dc/elements/1.1/"/>
   </ds:schemaRefs>
 </ds:datastoreItem>
 </file>
--- a/User Feedbacks in Backlog.pptx
+++ b/User Feedbacks in Backlog.pptx
@@ -6694,7 +6694,7 @@
             <a:pPr marL="457200" lvl="1" indent="0">
               <a:buNone/>
             </a:pPr>
-            <a:endParaRPr lang="en-US" smtClean="0">
+            <a:endParaRPr lang="en-US" dirty="0" smtClean="0">
               <a:sym typeface="Wingdings" panose="05000000000000000000" pitchFamily="2" charset="2"/>
             </a:endParaRPr>
           </a:p>
